--- a/Week13/04 Pet Park - Create Table Entities.pptx
+++ b/Week13/04 Pet Park - Create Table Entities.pptx
@@ -117,6 +117,35 @@
 </p:presentation>
 </file>
 
+<file path=ppt/changesInfos/changesInfo1.xml><?xml version="1.0" encoding="utf-8"?>
+<pc:chgInfo xmlns:a="http://schemas.openxmlformats.org/drawingml/2006/main" xmlns:r="http://schemas.openxmlformats.org/officeDocument/2006/relationships" xmlns:ac="http://schemas.microsoft.com/office/drawing/2013/main/command" xmlns:pc="http://schemas.microsoft.com/office/powerpoint/2013/main/command">
+  <pc:docChgLst>
+    <pc:chgData name="Chuck Kiefriter" userId="a996b49251c4dfd2" providerId="LiveId" clId="{01692CAC-7EDC-41CB-A100-FC0B8D646AB8}"/>
+    <pc:docChg chg="modSld">
+      <pc:chgData name="Chuck Kiefriter" userId="a996b49251c4dfd2" providerId="LiveId" clId="{01692CAC-7EDC-41CB-A100-FC0B8D646AB8}" dt="2024-05-01T23:40:26.787" v="0" actId="14100"/>
+      <pc:docMkLst>
+        <pc:docMk/>
+      </pc:docMkLst>
+      <pc:sldChg chg="modSp mod">
+        <pc:chgData name="Chuck Kiefriter" userId="a996b49251c4dfd2" providerId="LiveId" clId="{01692CAC-7EDC-41CB-A100-FC0B8D646AB8}" dt="2024-05-01T23:40:26.787" v="0" actId="14100"/>
+        <pc:sldMkLst>
+          <pc:docMk/>
+          <pc:sldMk cId="1824471124" sldId="257"/>
+        </pc:sldMkLst>
+        <pc:spChg chg="mod">
+          <ac:chgData name="Chuck Kiefriter" userId="a996b49251c4dfd2" providerId="LiveId" clId="{01692CAC-7EDC-41CB-A100-FC0B8D646AB8}" dt="2024-05-01T23:40:26.787" v="0" actId="14100"/>
+          <ac:spMkLst>
+            <pc:docMk/>
+            <pc:sldMk cId="1824471124" sldId="257"/>
+            <ac:spMk id="3" creationId="{87705A53-E3BF-6F7E-B3D2-440F9264C2F3}"/>
+          </ac:spMkLst>
+        </pc:spChg>
+      </pc:sldChg>
+    </pc:docChg>
+  </pc:docChgLst>
+</pc:chgInfo>
+</file>
+
 <file path=ppt/slideLayouts/slideLayout1.xml><?xml version="1.0" encoding="utf-8"?>
 <p:sldLayout xmlns:a="http://schemas.openxmlformats.org/drawingml/2006/main" xmlns:r="http://schemas.openxmlformats.org/officeDocument/2006/relationships" xmlns:p="http://schemas.openxmlformats.org/presentationml/2006/main" type="title" preserve="1">
   <p:cSld name="Title Slide">
@@ -248,7 +277,7 @@
           <a:p>
             <a:fld id="{5EBF5B1B-41FB-4A26-8BE8-5EDEC69B5338}" type="datetimeFigureOut">
               <a:rPr lang="en-US" smtClean="0"/>
-              <a:t>10/23/2022</a:t>
+              <a:t>5/1/2024</a:t>
             </a:fld>
             <a:endParaRPr lang="en-US"/>
           </a:p>
@@ -418,7 +447,7 @@
           <a:p>
             <a:fld id="{5EBF5B1B-41FB-4A26-8BE8-5EDEC69B5338}" type="datetimeFigureOut">
               <a:rPr lang="en-US" smtClean="0"/>
-              <a:t>10/23/2022</a:t>
+              <a:t>5/1/2024</a:t>
             </a:fld>
             <a:endParaRPr lang="en-US"/>
           </a:p>
@@ -598,7 +627,7 @@
           <a:p>
             <a:fld id="{5EBF5B1B-41FB-4A26-8BE8-5EDEC69B5338}" type="datetimeFigureOut">
               <a:rPr lang="en-US" smtClean="0"/>
-              <a:t>10/23/2022</a:t>
+              <a:t>5/1/2024</a:t>
             </a:fld>
             <a:endParaRPr lang="en-US"/>
           </a:p>
@@ -768,7 +797,7 @@
           <a:p>
             <a:fld id="{5EBF5B1B-41FB-4A26-8BE8-5EDEC69B5338}" type="datetimeFigureOut">
               <a:rPr lang="en-US" smtClean="0"/>
-              <a:t>10/23/2022</a:t>
+              <a:t>5/1/2024</a:t>
             </a:fld>
             <a:endParaRPr lang="en-US"/>
           </a:p>
@@ -1014,7 +1043,7 @@
           <a:p>
             <a:fld id="{5EBF5B1B-41FB-4A26-8BE8-5EDEC69B5338}" type="datetimeFigureOut">
               <a:rPr lang="en-US" smtClean="0"/>
-              <a:t>10/23/2022</a:t>
+              <a:t>5/1/2024</a:t>
             </a:fld>
             <a:endParaRPr lang="en-US"/>
           </a:p>
@@ -1246,7 +1275,7 @@
           <a:p>
             <a:fld id="{5EBF5B1B-41FB-4A26-8BE8-5EDEC69B5338}" type="datetimeFigureOut">
               <a:rPr lang="en-US" smtClean="0"/>
-              <a:t>10/23/2022</a:t>
+              <a:t>5/1/2024</a:t>
             </a:fld>
             <a:endParaRPr lang="en-US"/>
           </a:p>
@@ -1613,7 +1642,7 @@
           <a:p>
             <a:fld id="{5EBF5B1B-41FB-4A26-8BE8-5EDEC69B5338}" type="datetimeFigureOut">
               <a:rPr lang="en-US" smtClean="0"/>
-              <a:t>10/23/2022</a:t>
+              <a:t>5/1/2024</a:t>
             </a:fld>
             <a:endParaRPr lang="en-US"/>
           </a:p>
@@ -1731,7 +1760,7 @@
           <a:p>
             <a:fld id="{5EBF5B1B-41FB-4A26-8BE8-5EDEC69B5338}" type="datetimeFigureOut">
               <a:rPr lang="en-US" smtClean="0"/>
-              <a:t>10/23/2022</a:t>
+              <a:t>5/1/2024</a:t>
             </a:fld>
             <a:endParaRPr lang="en-US"/>
           </a:p>
@@ -1826,7 +1855,7 @@
           <a:p>
             <a:fld id="{5EBF5B1B-41FB-4A26-8BE8-5EDEC69B5338}" type="datetimeFigureOut">
               <a:rPr lang="en-US" smtClean="0"/>
-              <a:t>10/23/2022</a:t>
+              <a:t>5/1/2024</a:t>
             </a:fld>
             <a:endParaRPr lang="en-US"/>
           </a:p>
@@ -2103,7 +2132,7 @@
           <a:p>
             <a:fld id="{5EBF5B1B-41FB-4A26-8BE8-5EDEC69B5338}" type="datetimeFigureOut">
               <a:rPr lang="en-US" smtClean="0"/>
-              <a:t>10/23/2022</a:t>
+              <a:t>5/1/2024</a:t>
             </a:fld>
             <a:endParaRPr lang="en-US"/>
           </a:p>
@@ -2360,7 +2389,7 @@
           <a:p>
             <a:fld id="{5EBF5B1B-41FB-4A26-8BE8-5EDEC69B5338}" type="datetimeFigureOut">
               <a:rPr lang="en-US" smtClean="0"/>
-              <a:t>10/23/2022</a:t>
+              <a:t>5/1/2024</a:t>
             </a:fld>
             <a:endParaRPr lang="en-US"/>
           </a:p>
@@ -2573,7 +2602,7 @@
           <a:p>
             <a:fld id="{5EBF5B1B-41FB-4A26-8BE8-5EDEC69B5338}" type="datetimeFigureOut">
               <a:rPr lang="en-US" smtClean="0"/>
-              <a:t>10/23/2022</a:t>
+              <a:t>5/1/2024</a:t>
             </a:fld>
             <a:endParaRPr lang="en-US"/>
           </a:p>
@@ -3121,7 +3150,7 @@
         <p:spPr>
           <a:xfrm>
             <a:off x="838200" y="1825625"/>
-            <a:ext cx="5060795" cy="4351338"/>
+            <a:ext cx="10765536" cy="4351338"/>
           </a:xfrm>
         </p:spPr>
         <p:txBody>
